--- a/Creating Account/Updated Designs/khalils presenation.pptx
+++ b/Creating Account/Updated Designs/khalils presenation.pptx
@@ -106,6 +106,11 @@
       </a:defRPr>
     </a:lvl9pPr>
   </p:defaultTextStyle>
+  <p:extLst>
+    <p:ext uri="{EFAFB233-063F-42B5-8137-9DF3F51BA10A}">
+      <p15:sldGuideLst xmlns:p15="http://schemas.microsoft.com/office/powerpoint/2012/main"/>
+    </p:ext>
+  </p:extLst>
 </p:presentation>
 </file>
 
@@ -335,7 +340,7 @@
           <a:p>
             <a:fld id="{4A1D9E61-7A34-4455-A944-7760DD9E2D94}" type="datetimeFigureOut">
               <a:rPr lang="en-US" smtClean="0"/>
-              <a:t>4/14/2022</a:t>
+              <a:t>4/21/2022</a:t>
             </a:fld>
             <a:endParaRPr lang="en-US"/>
           </a:p>
@@ -543,7 +548,7 @@
           <a:p>
             <a:fld id="{4A1D9E61-7A34-4455-A944-7760DD9E2D94}" type="datetimeFigureOut">
               <a:rPr lang="en-US" smtClean="0"/>
-              <a:t>4/14/2022</a:t>
+              <a:t>4/21/2022</a:t>
             </a:fld>
             <a:endParaRPr lang="en-US"/>
           </a:p>
@@ -799,7 +804,7 @@
           <a:p>
             <a:fld id="{4A1D9E61-7A34-4455-A944-7760DD9E2D94}" type="datetimeFigureOut">
               <a:rPr lang="en-US" smtClean="0"/>
-              <a:t>4/14/2022</a:t>
+              <a:t>4/21/2022</a:t>
             </a:fld>
             <a:endParaRPr lang="en-US"/>
           </a:p>
@@ -969,7 +974,7 @@
           <a:p>
             <a:fld id="{4A1D9E61-7A34-4455-A944-7760DD9E2D94}" type="datetimeFigureOut">
               <a:rPr lang="en-US" smtClean="0"/>
-              <a:t>4/14/2022</a:t>
+              <a:t>4/21/2022</a:t>
             </a:fld>
             <a:endParaRPr lang="en-US"/>
           </a:p>
@@ -1312,7 +1317,7 @@
           <a:p>
             <a:fld id="{4A1D9E61-7A34-4455-A944-7760DD9E2D94}" type="datetimeFigureOut">
               <a:rPr lang="en-US" smtClean="0"/>
-              <a:t>4/14/2022</a:t>
+              <a:t>4/21/2022</a:t>
             </a:fld>
             <a:endParaRPr lang="en-US"/>
           </a:p>
@@ -1587,7 +1592,7 @@
           <a:p>
             <a:fld id="{4A1D9E61-7A34-4455-A944-7760DD9E2D94}" type="datetimeFigureOut">
               <a:rPr lang="en-US" smtClean="0"/>
-              <a:t>4/14/2022</a:t>
+              <a:t>4/21/2022</a:t>
             </a:fld>
             <a:endParaRPr lang="en-US"/>
           </a:p>
@@ -1966,7 +1971,7 @@
           <a:p>
             <a:fld id="{4A1D9E61-7A34-4455-A944-7760DD9E2D94}" type="datetimeFigureOut">
               <a:rPr lang="en-US" smtClean="0"/>
-              <a:t>4/14/2022</a:t>
+              <a:t>4/21/2022</a:t>
             </a:fld>
             <a:endParaRPr lang="en-US"/>
           </a:p>
@@ -2084,7 +2089,7 @@
           <a:p>
             <a:fld id="{4A1D9E61-7A34-4455-A944-7760DD9E2D94}" type="datetimeFigureOut">
               <a:rPr lang="en-US" smtClean="0"/>
-              <a:t>4/14/2022</a:t>
+              <a:t>4/21/2022</a:t>
             </a:fld>
             <a:endParaRPr lang="en-US"/>
           </a:p>
@@ -2255,7 +2260,7 @@
           <a:p>
             <a:fld id="{4A1D9E61-7A34-4455-A944-7760DD9E2D94}" type="datetimeFigureOut">
               <a:rPr lang="en-US" smtClean="0"/>
-              <a:t>4/14/2022</a:t>
+              <a:t>4/21/2022</a:t>
             </a:fld>
             <a:endParaRPr lang="en-US"/>
           </a:p>
@@ -2609,7 +2614,7 @@
           <a:p>
             <a:fld id="{4A1D9E61-7A34-4455-A944-7760DD9E2D94}" type="datetimeFigureOut">
               <a:rPr lang="en-US" smtClean="0"/>
-              <a:t>4/14/2022</a:t>
+              <a:t>4/21/2022</a:t>
             </a:fld>
             <a:endParaRPr lang="en-US"/>
           </a:p>
@@ -2986,7 +2991,7 @@
           <a:p>
             <a:fld id="{4A1D9E61-7A34-4455-A944-7760DD9E2D94}" type="datetimeFigureOut">
               <a:rPr lang="en-US" smtClean="0"/>
-              <a:t>4/14/2022</a:t>
+              <a:t>4/21/2022</a:t>
             </a:fld>
             <a:endParaRPr lang="en-US"/>
           </a:p>
@@ -3273,7 +3278,7 @@
           <a:p>
             <a:fld id="{4A1D9E61-7A34-4455-A944-7760DD9E2D94}" type="datetimeFigureOut">
               <a:rPr lang="en-US" smtClean="0"/>
-              <a:t>4/14/2022</a:t>
+              <a:t>4/21/2022</a:t>
             </a:fld>
             <a:endParaRPr lang="en-US"/>
           </a:p>
@@ -4956,41 +4961,6 @@
           <a:chExt cx="0" cy="0"/>
         </a:xfrm>
       </p:grpSpPr>
-      <p:pic>
-        <p:nvPicPr>
-          <p:cNvPr id="7" name="عنصر نائب للمحتوى 6">
-            <a:extLst>
-              <a:ext uri="{FF2B5EF4-FFF2-40B4-BE49-F238E27FC236}">
-                <a16:creationId xmlns:a16="http://schemas.microsoft.com/office/drawing/2014/main" id="{3B81653C-5B40-4176-B364-79CD055FE10B}"/>
-              </a:ext>
-            </a:extLst>
-          </p:cNvPr>
-          <p:cNvPicPr>
-            <a:picLocks noGrp="1" noChangeAspect="1"/>
-          </p:cNvPicPr>
-          <p:nvPr>
-            <p:ph sz="half" idx="1"/>
-          </p:nvPr>
-        </p:nvPicPr>
-        <p:blipFill>
-          <a:blip r:embed="rId2">
-            <a:extLst>
-              <a:ext uri="{28A0092B-C50C-407E-A947-70E740481C1C}">
-                <a14:useLocalDpi xmlns:a14="http://schemas.microsoft.com/office/drawing/2010/main" val="0"/>
-              </a:ext>
-            </a:extLst>
-          </a:blip>
-          <a:stretch>
-            <a:fillRect/>
-          </a:stretch>
-        </p:blipFill>
-        <p:spPr>
-          <a:xfrm>
-            <a:off x="252919" y="944389"/>
-            <a:ext cx="2302391" cy="5243469"/>
-          </a:xfrm>
-        </p:spPr>
-      </p:pic>
       <p:sp>
         <p:nvSpPr>
           <p:cNvPr id="5" name="TextBox 4">
@@ -5058,116 +5028,6 @@
       </p:sp>
       <p:sp>
         <p:nvSpPr>
-          <p:cNvPr id="17" name="Arrow: Right 7">
-            <a:extLst>
-              <a:ext uri="{FF2B5EF4-FFF2-40B4-BE49-F238E27FC236}">
-                <a16:creationId xmlns:a16="http://schemas.microsoft.com/office/drawing/2014/main" id="{664502A4-AAD6-47A0-A542-77D621891CB6}"/>
-              </a:ext>
-            </a:extLst>
-          </p:cNvPr>
-          <p:cNvSpPr/>
-          <p:nvPr/>
-        </p:nvSpPr>
-        <p:spPr>
-          <a:xfrm>
-            <a:off x="2555310" y="3598965"/>
-            <a:ext cx="1593693" cy="505839"/>
-          </a:xfrm>
-          <a:prstGeom prst="rightArrow">
-            <a:avLst/>
-          </a:prstGeom>
-        </p:spPr>
-        <p:style>
-          <a:lnRef idx="2">
-            <a:schemeClr val="dk1">
-              <a:shade val="50000"/>
-            </a:schemeClr>
-          </a:lnRef>
-          <a:fillRef idx="1">
-            <a:schemeClr val="dk1"/>
-          </a:fillRef>
-          <a:effectRef idx="0">
-            <a:schemeClr val="dk1"/>
-          </a:effectRef>
-          <a:fontRef idx="minor">
-            <a:schemeClr val="lt1"/>
-          </a:fontRef>
-        </p:style>
-        <p:txBody>
-          <a:bodyPr rtlCol="0" anchor="ctr"/>
-          <a:lstStyle/>
-          <a:p>
-            <a:pPr marL="0" marR="0" lvl="0" indent="0" algn="ctr" defTabSz="457200" rtl="0" eaLnBrk="1" fontAlgn="auto" latinLnBrk="0" hangingPunct="1">
-              <a:lnSpc>
-                <a:spcPct val="100000"/>
-              </a:lnSpc>
-              <a:spcBef>
-                <a:spcPts val="0"/>
-              </a:spcBef>
-              <a:spcAft>
-                <a:spcPts val="0"/>
-              </a:spcAft>
-              <a:buClrTx/>
-              <a:buSzTx/>
-              <a:buFontTx/>
-              <a:buNone/>
-              <a:tabLst/>
-              <a:defRPr/>
-            </a:pPr>
-            <a:endParaRPr kumimoji="0" lang="en-US" sz="1800" b="0" i="0" u="none" strike="noStrike" kern="1200" cap="none" spc="0" normalizeH="0" baseline="0" noProof="0">
-              <a:ln>
-                <a:noFill/>
-              </a:ln>
-              <a:solidFill>
-                <a:prstClr val="white"/>
-              </a:solidFill>
-              <a:effectLst/>
-              <a:uLnTx/>
-              <a:uFillTx/>
-              <a:latin typeface="Calibri" panose="020F0502020204030204"/>
-              <a:ea typeface="+mn-ea"/>
-              <a:cs typeface="+mn-cs"/>
-            </a:endParaRPr>
-          </a:p>
-        </p:txBody>
-      </p:sp>
-      <p:pic>
-        <p:nvPicPr>
-          <p:cNvPr id="10" name="عنصر نائب للمحتوى 9" descr="صورة تحتوي على نص&#10;&#10;تم إنشاء الوصف تلقائياً">
-            <a:extLst>
-              <a:ext uri="{FF2B5EF4-FFF2-40B4-BE49-F238E27FC236}">
-                <a16:creationId xmlns:a16="http://schemas.microsoft.com/office/drawing/2014/main" id="{F4A62C79-7879-4663-A096-6D70D911E606}"/>
-              </a:ext>
-            </a:extLst>
-          </p:cNvPr>
-          <p:cNvPicPr>
-            <a:picLocks noGrp="1" noChangeAspect="1"/>
-          </p:cNvPicPr>
-          <p:nvPr>
-            <p:ph sz="half" idx="2"/>
-          </p:nvPr>
-        </p:nvPicPr>
-        <p:blipFill>
-          <a:blip r:embed="rId3">
-            <a:extLst>
-              <a:ext uri="{28A0092B-C50C-407E-A947-70E740481C1C}">
-                <a14:useLocalDpi xmlns:a14="http://schemas.microsoft.com/office/drawing/2010/main" val="0"/>
-              </a:ext>
-            </a:extLst>
-          </a:blip>
-          <a:stretch>
-            <a:fillRect/>
-          </a:stretch>
-        </p:blipFill>
-        <p:spPr>
-          <a:xfrm>
-            <a:off x="4177281" y="944389"/>
-            <a:ext cx="2302391" cy="5243469"/>
-          </a:xfrm>
-        </p:spPr>
-      </p:pic>
-      <p:sp>
-        <p:nvSpPr>
           <p:cNvPr id="11" name="مربع نص 10">
             <a:extLst>
               <a:ext uri="{FF2B5EF4-FFF2-40B4-BE49-F238E27FC236}">
@@ -5181,7 +5041,7 @@
         <p:spPr>
           <a:xfrm>
             <a:off x="7316396" y="0"/>
-            <a:ext cx="4205870" cy="7017306"/>
+            <a:ext cx="4205870" cy="3970318"/>
           </a:xfrm>
           <a:prstGeom prst="rect">
             <a:avLst/>
@@ -5212,7 +5072,7 @@
               <a:defRPr/>
             </a:pPr>
             <a:r>
-              <a:rPr kumimoji="0" lang="en-US" sz="1800" b="1" i="0" u="none" strike="noStrike" kern="1200" cap="none" spc="0" normalizeH="0" baseline="0" noProof="0" dirty="0">
+              <a:rPr kumimoji="0" lang="en-US" sz="1800" b="0" i="0" u="none" strike="noStrike" kern="1200" cap="none" spc="0" normalizeH="0" baseline="0" noProof="0" dirty="0">
                 <a:ln>
                   <a:noFill/>
                 </a:ln>
@@ -5226,7 +5086,7 @@
                 <a:ea typeface="+mn-ea"/>
                 <a:cs typeface="+mn-cs"/>
               </a:rPr>
-              <a:t>Previous version font problems:</a:t>
+              <a:t>.</a:t>
             </a:r>
           </a:p>
           <a:p>
@@ -5263,252 +5123,6 @@
             </a:endParaRPr>
           </a:p>
           <a:p>
-            <a:pPr marL="285750" marR="0" lvl="0" indent="-285750" algn="l" defTabSz="457200" rtl="0" eaLnBrk="1" fontAlgn="auto" latinLnBrk="0" hangingPunct="1">
-              <a:lnSpc>
-                <a:spcPct val="100000"/>
-              </a:lnSpc>
-              <a:spcBef>
-                <a:spcPts val="0"/>
-              </a:spcBef>
-              <a:spcAft>
-                <a:spcPts val="0"/>
-              </a:spcAft>
-              <a:buClrTx/>
-              <a:buSzTx/>
-              <a:buFont typeface="Arial" panose="020B0604020202020204" pitchFamily="34" charset="0"/>
-              <a:buChar char="•"/>
-              <a:tabLst/>
-              <a:defRPr/>
-            </a:pPr>
-            <a:r>
-              <a:rPr kumimoji="0" lang="en-US" sz="1800" b="0" i="0" u="none" strike="noStrike" kern="1200" cap="none" spc="0" normalizeH="0" baseline="0" noProof="0" dirty="0">
-                <a:ln>
-                  <a:noFill/>
-                </a:ln>
-                <a:solidFill>
-                  <a:prstClr val="black"/>
-                </a:solidFill>
-                <a:effectLst/>
-                <a:uLnTx/>
-                <a:uFillTx/>
-                <a:latin typeface="Calibri" panose="020F0502020204030204"/>
-                <a:ea typeface="+mn-ea"/>
-                <a:cs typeface="+mn-cs"/>
-              </a:rPr>
-              <a:t>font too bold and dark and the bright noisy background color reduces readability and usability.</a:t>
-            </a:r>
-          </a:p>
-          <a:p>
-            <a:pPr marL="0" marR="0" lvl="0" indent="0" algn="l" defTabSz="457200" rtl="0" eaLnBrk="1" fontAlgn="auto" latinLnBrk="0" hangingPunct="1">
-              <a:lnSpc>
-                <a:spcPct val="100000"/>
-              </a:lnSpc>
-              <a:spcBef>
-                <a:spcPts val="0"/>
-              </a:spcBef>
-              <a:spcAft>
-                <a:spcPts val="0"/>
-              </a:spcAft>
-              <a:buClrTx/>
-              <a:buSzTx/>
-              <a:buFontTx/>
-              <a:buNone/>
-              <a:tabLst/>
-              <a:defRPr/>
-            </a:pPr>
-            <a:endParaRPr kumimoji="0" lang="en-US" sz="1800" b="0" i="0" u="none" strike="noStrike" kern="1200" cap="none" spc="0" normalizeH="0" baseline="0" noProof="0" dirty="0">
-              <a:ln>
-                <a:noFill/>
-              </a:ln>
-              <a:solidFill>
-                <a:prstClr val="black"/>
-              </a:solidFill>
-              <a:effectLst/>
-              <a:uLnTx/>
-              <a:uFillTx/>
-              <a:latin typeface="Calibri" panose="020F0502020204030204"/>
-              <a:ea typeface="+mn-ea"/>
-              <a:cs typeface="+mn-cs"/>
-            </a:endParaRPr>
-          </a:p>
-          <a:p>
-            <a:pPr marL="285750" marR="0" lvl="0" indent="-285750" algn="l" defTabSz="457200" rtl="0" eaLnBrk="1" fontAlgn="auto" latinLnBrk="0" hangingPunct="1">
-              <a:lnSpc>
-                <a:spcPct val="100000"/>
-              </a:lnSpc>
-              <a:spcBef>
-                <a:spcPts val="0"/>
-              </a:spcBef>
-              <a:spcAft>
-                <a:spcPts val="0"/>
-              </a:spcAft>
-              <a:buClrTx/>
-              <a:buSzTx/>
-              <a:buFont typeface="Arial" panose="020B0604020202020204" pitchFamily="34" charset="0"/>
-              <a:buChar char="•"/>
-              <a:tabLst/>
-              <a:defRPr/>
-            </a:pPr>
-            <a:r>
-              <a:rPr kumimoji="0" lang="en-US" sz="1800" b="0" i="0" u="none" strike="noStrike" kern="1200" cap="none" spc="0" normalizeH="0" baseline="0" noProof="0" dirty="0">
-                <a:ln>
-                  <a:noFill/>
-                </a:ln>
-                <a:solidFill>
-                  <a:prstClr val="black"/>
-                </a:solidFill>
-                <a:effectLst/>
-                <a:uLnTx/>
-                <a:uFillTx/>
-                <a:latin typeface="Calibri" panose="020F0502020204030204"/>
-                <a:ea typeface="+mn-ea"/>
-                <a:cs typeface="+mn-cs"/>
-              </a:rPr>
-              <a:t>Texts were not properly aligned.</a:t>
-            </a:r>
-          </a:p>
-          <a:p>
-            <a:pPr marL="0" marR="0" lvl="0" indent="0" algn="l" defTabSz="457200" rtl="0" eaLnBrk="1" fontAlgn="auto" latinLnBrk="0" hangingPunct="1">
-              <a:lnSpc>
-                <a:spcPct val="100000"/>
-              </a:lnSpc>
-              <a:spcBef>
-                <a:spcPts val="0"/>
-              </a:spcBef>
-              <a:spcAft>
-                <a:spcPts val="0"/>
-              </a:spcAft>
-              <a:buClrTx/>
-              <a:buSzTx/>
-              <a:buFontTx/>
-              <a:buNone/>
-              <a:tabLst/>
-              <a:defRPr/>
-            </a:pPr>
-            <a:r>
-              <a:rPr kumimoji="0" lang="en-US" sz="1800" b="0" i="0" u="none" strike="noStrike" kern="1200" cap="none" spc="0" normalizeH="0" baseline="0" noProof="0" dirty="0">
-                <a:ln>
-                  <a:noFill/>
-                </a:ln>
-                <a:solidFill>
-                  <a:prstClr val="black"/>
-                </a:solidFill>
-                <a:effectLst/>
-                <a:uLnTx/>
-                <a:uFillTx/>
-                <a:latin typeface="Calibri" panose="020F0502020204030204"/>
-                <a:ea typeface="+mn-ea"/>
-                <a:cs typeface="+mn-cs"/>
-              </a:rPr>
-              <a:t> </a:t>
-            </a:r>
-          </a:p>
-          <a:p>
-            <a:pPr marL="285750" marR="0" lvl="0" indent="-285750" algn="l" defTabSz="457200" rtl="0" eaLnBrk="1" fontAlgn="auto" latinLnBrk="0" hangingPunct="1">
-              <a:lnSpc>
-                <a:spcPct val="100000"/>
-              </a:lnSpc>
-              <a:spcBef>
-                <a:spcPts val="0"/>
-              </a:spcBef>
-              <a:spcAft>
-                <a:spcPts val="0"/>
-              </a:spcAft>
-              <a:buClrTx/>
-              <a:buSzTx/>
-              <a:buFont typeface="Arial" panose="020B0604020202020204" pitchFamily="34" charset="0"/>
-              <a:buChar char="•"/>
-              <a:tabLst/>
-              <a:defRPr/>
-            </a:pPr>
-            <a:r>
-              <a:rPr kumimoji="0" lang="en-US" sz="1800" b="0" i="0" u="none" strike="noStrike" kern="1200" cap="none" spc="0" normalizeH="0" baseline="0" noProof="0" dirty="0">
-                <a:ln>
-                  <a:noFill/>
-                </a:ln>
-                <a:solidFill>
-                  <a:prstClr val="black"/>
-                </a:solidFill>
-                <a:effectLst/>
-                <a:uLnTx/>
-                <a:uFillTx/>
-                <a:latin typeface="Calibri" panose="020F0502020204030204"/>
-                <a:ea typeface="+mn-ea"/>
-                <a:cs typeface="+mn-cs"/>
-              </a:rPr>
-              <a:t>feels more robotic which makes it difficult</a:t>
-            </a:r>
-          </a:p>
-          <a:p>
-            <a:pPr marL="0" marR="0" lvl="0" indent="0" algn="l" defTabSz="457200" rtl="0" eaLnBrk="1" fontAlgn="auto" latinLnBrk="0" hangingPunct="1">
-              <a:lnSpc>
-                <a:spcPct val="100000"/>
-              </a:lnSpc>
-              <a:spcBef>
-                <a:spcPts val="0"/>
-              </a:spcBef>
-              <a:spcAft>
-                <a:spcPts val="0"/>
-              </a:spcAft>
-              <a:buClrTx/>
-              <a:buSzTx/>
-              <a:buFontTx/>
-              <a:buNone/>
-              <a:tabLst/>
-              <a:defRPr/>
-            </a:pPr>
-            <a:r>
-              <a:rPr kumimoji="0" lang="en-US" sz="1800" b="0" i="0" u="none" strike="noStrike" kern="1200" cap="none" spc="0" normalizeH="0" baseline="0" noProof="0" dirty="0">
-                <a:ln>
-                  <a:noFill/>
-                </a:ln>
-                <a:solidFill>
-                  <a:prstClr val="black"/>
-                </a:solidFill>
-                <a:effectLst/>
-                <a:uLnTx/>
-                <a:uFillTx/>
-                <a:latin typeface="Calibri" panose="020F0502020204030204"/>
-                <a:ea typeface="+mn-ea"/>
-                <a:cs typeface="+mn-cs"/>
-              </a:rPr>
-              <a:t> to read, so it reduces accessibility.</a:t>
-            </a:r>
-          </a:p>
-          <a:p>
-            <a:pPr marL="0" marR="0" lvl="0" indent="0" algn="l" defTabSz="457200" rtl="0" eaLnBrk="1" fontAlgn="auto" latinLnBrk="0" hangingPunct="1">
-              <a:lnSpc>
-                <a:spcPct val="100000"/>
-              </a:lnSpc>
-              <a:spcBef>
-                <a:spcPts val="0"/>
-              </a:spcBef>
-              <a:spcAft>
-                <a:spcPts val="0"/>
-              </a:spcAft>
-              <a:buClrTx/>
-              <a:buSzTx/>
-              <a:buFontTx/>
-              <a:buNone/>
-              <a:tabLst/>
-              <a:defRPr/>
-            </a:pPr>
-            <a:endParaRPr kumimoji="0" lang="en-US" sz="1800" b="0" i="0" u="none" strike="noStrike" kern="1200" cap="none" spc="0" normalizeH="0" baseline="0" noProof="0" dirty="0">
-              <a:ln>
-                <a:noFill/>
-              </a:ln>
-              <a:solidFill>
-                <a:prstClr val="black"/>
-              </a:solidFill>
-              <a:effectLst/>
-              <a:uLnTx/>
-              <a:uFillTx/>
-              <a:latin typeface="Calibri" panose="020F0502020204030204"/>
-              <a:ea typeface="+mn-ea"/>
-              <a:cs typeface="+mn-cs"/>
-            </a:endParaRPr>
-          </a:p>
-          <a:p>
             <a:pPr marL="0" marR="0" lvl="0" indent="0" algn="l" defTabSz="457200" rtl="0" eaLnBrk="1" fontAlgn="auto" latinLnBrk="0" hangingPunct="1">
               <a:lnSpc>
                 <a:spcPct val="100000"/>
@@ -5541,7 +5155,7 @@
                 <a:ea typeface="+mn-ea"/>
                 <a:cs typeface="+mn-cs"/>
               </a:rPr>
-              <a:t>New version:</a:t>
+              <a:t>Why no change ?</a:t>
             </a:r>
           </a:p>
           <a:p>
@@ -5613,7 +5227,7 @@
                 <a:ea typeface="+mn-ea"/>
                 <a:cs typeface="+mn-cs"/>
               </a:rPr>
-              <a:t>new font is much more readable and usable giving the mixture of simple background color and a simple typeface.</a:t>
+              <a:t>The font is readable and usable giving the mixture of simple background color and a simple typeface.</a:t>
             </a:r>
           </a:p>
           <a:p>
@@ -5767,6 +5381,61 @@
           </a:p>
         </p:txBody>
       </p:sp>
+      <p:sp>
+        <p:nvSpPr>
+          <p:cNvPr id="6" name="Content Placeholder 5">
+            <a:extLst>
+              <a:ext uri="{FF2B5EF4-FFF2-40B4-BE49-F238E27FC236}">
+                <a16:creationId xmlns:a16="http://schemas.microsoft.com/office/drawing/2014/main" id="{94B1F2F8-F45A-4ED1-8539-ED18C1B4AF02}"/>
+              </a:ext>
+            </a:extLst>
+          </p:cNvPr>
+          <p:cNvSpPr>
+            <a:spLocks noGrp="1"/>
+          </p:cNvSpPr>
+          <p:nvPr>
+            <p:ph sz="half" idx="1"/>
+          </p:nvPr>
+        </p:nvSpPr>
+        <p:spPr/>
+        <p:txBody>
+          <a:bodyPr/>
+          <a:lstStyle/>
+          <a:p>
+            <a:endParaRPr lang="en-US"/>
+          </a:p>
+        </p:txBody>
+      </p:sp>
+      <p:pic>
+        <p:nvPicPr>
+          <p:cNvPr id="9" name="Picture 8">
+            <a:extLst>
+              <a:ext uri="{FF2B5EF4-FFF2-40B4-BE49-F238E27FC236}">
+                <a16:creationId xmlns:a16="http://schemas.microsoft.com/office/drawing/2014/main" id="{93DD979A-BF2C-4193-90C3-81567037A223}"/>
+              </a:ext>
+            </a:extLst>
+          </p:cNvPr>
+          <p:cNvPicPr>
+            <a:picLocks noChangeAspect="1"/>
+          </p:cNvPicPr>
+          <p:nvPr/>
+        </p:nvPicPr>
+        <p:blipFill>
+          <a:blip r:embed="rId2"/>
+          <a:stretch>
+            <a:fillRect/>
+          </a:stretch>
+        </p:blipFill>
+        <p:spPr>
+          <a:xfrm>
+            <a:off x="463436" y="714584"/>
+            <a:ext cx="2629128" cy="5654530"/>
+          </a:xfrm>
+          <a:prstGeom prst="rect">
+            <a:avLst/>
+          </a:prstGeom>
+        </p:spPr>
+      </p:pic>
     </p:spTree>
     <p:extLst>
       <p:ext uri="{BB962C8B-B14F-4D97-AF65-F5344CB8AC3E}">
@@ -5777,84 +5446,6 @@
   <p:clrMapOvr>
     <a:masterClrMapping/>
   </p:clrMapOvr>
-  <p:timing>
-    <p:tnLst>
-      <p:par>
-        <p:cTn id="1" dur="indefinite" restart="never" nodeType="tmRoot">
-          <p:childTnLst>
-            <p:seq concurrent="1" nextAc="seek">
-              <p:cTn id="2" dur="indefinite" nodeType="mainSeq">
-                <p:childTnLst>
-                  <p:par>
-                    <p:cTn id="3" fill="hold">
-                      <p:stCondLst>
-                        <p:cond delay="indefinite"/>
-                      </p:stCondLst>
-                      <p:childTnLst>
-                        <p:par>
-                          <p:cTn id="4" fill="hold">
-                            <p:stCondLst>
-                              <p:cond delay="0"/>
-                            </p:stCondLst>
-                            <p:childTnLst>
-                              <p:par>
-                                <p:cTn id="5" presetID="1" presetClass="entr" presetSubtype="0" fill="hold" grpId="0" nodeType="clickEffect">
-                                  <p:stCondLst>
-                                    <p:cond delay="0"/>
-                                  </p:stCondLst>
-                                  <p:childTnLst>
-                                    <p:set>
-                                      <p:cBhvr>
-                                        <p:cTn id="6" dur="1" fill="hold">
-                                          <p:stCondLst>
-                                            <p:cond delay="0"/>
-                                          </p:stCondLst>
-                                        </p:cTn>
-                                        <p:tgtEl>
-                                          <p:spTgt spid="17"/>
-                                        </p:tgtEl>
-                                        <p:attrNameLst>
-                                          <p:attrName>style.visibility</p:attrName>
-                                        </p:attrNameLst>
-                                      </p:cBhvr>
-                                      <p:to>
-                                        <p:strVal val="visible"/>
-                                      </p:to>
-                                    </p:set>
-                                  </p:childTnLst>
-                                </p:cTn>
-                              </p:par>
-                            </p:childTnLst>
-                          </p:cTn>
-                        </p:par>
-                      </p:childTnLst>
-                    </p:cTn>
-                  </p:par>
-                </p:childTnLst>
-              </p:cTn>
-              <p:prevCondLst>
-                <p:cond evt="onPrev" delay="0">
-                  <p:tgtEl>
-                    <p:sldTgt/>
-                  </p:tgtEl>
-                </p:cond>
-              </p:prevCondLst>
-              <p:nextCondLst>
-                <p:cond evt="onNext" delay="0">
-                  <p:tgtEl>
-                    <p:sldTgt/>
-                  </p:tgtEl>
-                </p:cond>
-              </p:nextCondLst>
-            </p:seq>
-          </p:childTnLst>
-        </p:cTn>
-      </p:par>
-    </p:tnLst>
-    <p:bldLst>
-      <p:bldP spid="17" grpId="0" animBg="1"/>
-    </p:bldLst>
-  </p:timing>
 </p:sld>
 </file>
 
